--- a/SQL.pptx
+++ b/SQL.pptx
@@ -106,6 +106,11 @@
       </a:defRPr>
     </a:lvl9pPr>
   </p:defaultTextStyle>
+  <p:extLst>
+    <p:ext uri="{EFAFB233-063F-42B5-8137-9DF3F51BA10A}">
+      <p15:sldGuideLst xmlns:p15="http://schemas.microsoft.com/office/powerpoint/2012/main"/>
+    </p:ext>
+  </p:extLst>
 </p:presentation>
 </file>
 
@@ -444,7 +449,7 @@
           <a:p>
             <a:fld id="{2F68A9D7-774A-4F98-9555-C383BD79EDF7}" type="datetimeFigureOut">
               <a:rPr lang="en-US" smtClean="0"/>
-              <a:t>5/31/2022</a:t>
+              <a:t>6/2/2022</a:t>
             </a:fld>
             <a:endParaRPr lang="en-US"/>
           </a:p>
@@ -1532,7 +1537,7 @@
           <a:p>
             <a:fld id="{2F68A9D7-774A-4F98-9555-C383BD79EDF7}" type="datetimeFigureOut">
               <a:rPr lang="en-US" smtClean="0"/>
-              <a:t>5/31/2022</a:t>
+              <a:t>6/2/2022</a:t>
             </a:fld>
             <a:endParaRPr lang="en-US"/>
           </a:p>
@@ -2512,7 +2517,7 @@
           <a:p>
             <a:fld id="{2F68A9D7-774A-4F98-9555-C383BD79EDF7}" type="datetimeFigureOut">
               <a:rPr lang="en-US" smtClean="0"/>
-              <a:t>5/31/2022</a:t>
+              <a:t>6/2/2022</a:t>
             </a:fld>
             <a:endParaRPr lang="en-US"/>
           </a:p>
@@ -3646,7 +3651,7 @@
           <a:p>
             <a:fld id="{2F68A9D7-774A-4F98-9555-C383BD79EDF7}" type="datetimeFigureOut">
               <a:rPr lang="en-US" smtClean="0"/>
-              <a:t>5/31/2022</a:t>
+              <a:t>6/2/2022</a:t>
             </a:fld>
             <a:endParaRPr lang="en-US"/>
           </a:p>
@@ -4679,7 +4684,7 @@
           <a:p>
             <a:fld id="{2F68A9D7-774A-4F98-9555-C383BD79EDF7}" type="datetimeFigureOut">
               <a:rPr lang="en-US" smtClean="0"/>
-              <a:t>5/31/2022</a:t>
+              <a:t>6/2/2022</a:t>
             </a:fld>
             <a:endParaRPr lang="en-US"/>
           </a:p>
@@ -5339,7 +5344,7 @@
           <a:p>
             <a:fld id="{2F68A9D7-774A-4F98-9555-C383BD79EDF7}" type="datetimeFigureOut">
               <a:rPr lang="en-US" smtClean="0"/>
-              <a:t>5/31/2022</a:t>
+              <a:t>6/2/2022</a:t>
             </a:fld>
             <a:endParaRPr lang="en-US"/>
           </a:p>
@@ -6200,7 +6205,7 @@
           <a:p>
             <a:fld id="{2F68A9D7-774A-4F98-9555-C383BD79EDF7}" type="datetimeFigureOut">
               <a:rPr lang="en-US" smtClean="0"/>
-              <a:t>5/31/2022</a:t>
+              <a:t>6/2/2022</a:t>
             </a:fld>
             <a:endParaRPr lang="en-US"/>
           </a:p>
@@ -6390,7 +6395,7 @@
           <a:p>
             <a:fld id="{2F68A9D7-774A-4F98-9555-C383BD79EDF7}" type="datetimeFigureOut">
               <a:rPr lang="en-US" smtClean="0"/>
-              <a:t>5/31/2022</a:t>
+              <a:t>6/2/2022</a:t>
             </a:fld>
             <a:endParaRPr lang="en-US"/>
           </a:p>
@@ -7362,7 +7367,7 @@
           <a:p>
             <a:fld id="{2F68A9D7-774A-4F98-9555-C383BD79EDF7}" type="datetimeFigureOut">
               <a:rPr lang="en-US" smtClean="0"/>
-              <a:t>5/31/2022</a:t>
+              <a:t>6/2/2022</a:t>
             </a:fld>
             <a:endParaRPr lang="en-US"/>
           </a:p>
@@ -7573,7 +7578,7 @@
           <a:p>
             <a:fld id="{2F68A9D7-774A-4F98-9555-C383BD79EDF7}" type="datetimeFigureOut">
               <a:rPr lang="en-US" smtClean="0"/>
-              <a:t>5/31/2022</a:t>
+              <a:t>6/2/2022</a:t>
             </a:fld>
             <a:endParaRPr lang="en-US"/>
           </a:p>
@@ -8607,7 +8612,7 @@
           <a:p>
             <a:fld id="{2F68A9D7-774A-4F98-9555-C383BD79EDF7}" type="datetimeFigureOut">
               <a:rPr lang="en-US" smtClean="0"/>
-              <a:t>5/31/2022</a:t>
+              <a:t>6/2/2022</a:t>
             </a:fld>
             <a:endParaRPr lang="en-US"/>
           </a:p>
@@ -8879,7 +8884,7 @@
           <a:p>
             <a:fld id="{2F68A9D7-774A-4F98-9555-C383BD79EDF7}" type="datetimeFigureOut">
               <a:rPr lang="en-US" smtClean="0"/>
-              <a:t>5/31/2022</a:t>
+              <a:t>6/2/2022</a:t>
             </a:fld>
             <a:endParaRPr lang="en-US"/>
           </a:p>
@@ -9289,7 +9294,7 @@
           <a:p>
             <a:fld id="{2F68A9D7-774A-4F98-9555-C383BD79EDF7}" type="datetimeFigureOut">
               <a:rPr lang="en-US" smtClean="0"/>
-              <a:t>5/31/2022</a:t>
+              <a:t>6/2/2022</a:t>
             </a:fld>
             <a:endParaRPr lang="en-US"/>
           </a:p>
@@ -9416,7 +9421,7 @@
           <a:p>
             <a:fld id="{2F68A9D7-774A-4F98-9555-C383BD79EDF7}" type="datetimeFigureOut">
               <a:rPr lang="en-US" smtClean="0"/>
-              <a:t>5/31/2022</a:t>
+              <a:t>6/2/2022</a:t>
             </a:fld>
             <a:endParaRPr lang="en-US"/>
           </a:p>
@@ -9511,7 +9516,7 @@
           <a:p>
             <a:fld id="{2F68A9D7-774A-4F98-9555-C383BD79EDF7}" type="datetimeFigureOut">
               <a:rPr lang="en-US" smtClean="0"/>
-              <a:t>5/31/2022</a:t>
+              <a:t>6/2/2022</a:t>
             </a:fld>
             <a:endParaRPr lang="en-US"/>
           </a:p>
@@ -10592,7 +10597,7 @@
           <a:p>
             <a:fld id="{2F68A9D7-774A-4F98-9555-C383BD79EDF7}" type="datetimeFigureOut">
               <a:rPr lang="en-US" smtClean="0"/>
-              <a:t>5/31/2022</a:t>
+              <a:t>6/2/2022</a:t>
             </a:fld>
             <a:endParaRPr lang="en-US"/>
           </a:p>
@@ -11700,7 +11705,7 @@
           <a:p>
             <a:fld id="{2F68A9D7-774A-4F98-9555-C383BD79EDF7}" type="datetimeFigureOut">
               <a:rPr lang="en-US" smtClean="0"/>
-              <a:t>5/31/2022</a:t>
+              <a:t>6/2/2022</a:t>
             </a:fld>
             <a:endParaRPr lang="en-US"/>
           </a:p>
@@ -12697,7 +12702,7 @@
           <a:p>
             <a:fld id="{2F68A9D7-774A-4F98-9555-C383BD79EDF7}" type="datetimeFigureOut">
               <a:rPr lang="en-US" smtClean="0"/>
-              <a:t>5/31/2022</a:t>
+              <a:t>6/2/2022</a:t>
             </a:fld>
             <a:endParaRPr lang="en-US"/>
           </a:p>
@@ -14458,7 +14463,7 @@
                 <a:effectLst/>
                 <a:latin typeface="noto_regular"/>
               </a:rPr>
-              <a:t>Posts.title</a:t>
+              <a:t>solar_farms</a:t>
             </a:r>
             <a:r>
               <a:rPr lang="en-US" sz="1800" dirty="0">
@@ -14468,28 +14473,25 @@
                 <a:effectLst/>
                 <a:latin typeface="noto_regular"/>
               </a:rPr>
-              <a:t>, </a:t>
-            </a:r>
-            <a:r>
-              <a:rPr lang="en-US" sz="1800" dirty="0" err="1">
+              <a:t>. name, technicians. </a:t>
+            </a:r>
+            <a:r>
+              <a:rPr lang="en-US" sz="1800">
                 <a:solidFill>
                   <a:srgbClr val="4B4B4B"/>
                 </a:solidFill>
                 <a:effectLst/>
                 <a:latin typeface="noto_regular"/>
               </a:rPr>
-              <a:t>Categories.title</a:t>
-            </a:r>
-            <a:r>
-              <a:rPr lang="en-US" sz="1800" dirty="0">
-                <a:solidFill>
-                  <a:srgbClr val="4B4B4B"/>
-                </a:solidFill>
-                <a:effectLst/>
-                <a:latin typeface="noto_regular"/>
-              </a:rPr>
-              <a:t>;</a:t>
-            </a:r>
+              <a:t>name;</a:t>
+            </a:r>
+            <a:endParaRPr lang="en-US" sz="1800" dirty="0">
+              <a:solidFill>
+                <a:srgbClr val="4B4B4B"/>
+              </a:solidFill>
+              <a:effectLst/>
+              <a:latin typeface="noto_regular"/>
+            </a:endParaRPr>
           </a:p>
           <a:p>
             <a:pPr algn="ctr"/>
